--- a/kaboom.pptx
+++ b/kaboom.pptx
@@ -323,7 +323,7 @@
           <a:p>
             <a:fld id="{6D577669-23AF-48B5-ACD1-2C0C3437D90C}" type="datetimeFigureOut">
               <a:rPr lang="fr-FR" smtClean="0"/>
-              <a:t>14/04/2013</a:t>
+              <a:t>15/04/2013</a:t>
             </a:fld>
             <a:endParaRPr lang="fr-FR"/>
           </a:p>
@@ -496,7 +496,7 @@
           <a:p>
             <a:fld id="{6D577669-23AF-48B5-ACD1-2C0C3437D90C}" type="datetimeFigureOut">
               <a:rPr lang="fr-FR" smtClean="0"/>
-              <a:t>14/04/2013</a:t>
+              <a:t>15/04/2013</a:t>
             </a:fld>
             <a:endParaRPr lang="fr-FR"/>
           </a:p>
@@ -679,7 +679,7 @@
           <a:p>
             <a:fld id="{6D577669-23AF-48B5-ACD1-2C0C3437D90C}" type="datetimeFigureOut">
               <a:rPr lang="fr-FR" smtClean="0"/>
-              <a:t>14/04/2013</a:t>
+              <a:t>15/04/2013</a:t>
             </a:fld>
             <a:endParaRPr lang="fr-FR"/>
           </a:p>
@@ -852,7 +852,7 @@
           <a:p>
             <a:fld id="{6D577669-23AF-48B5-ACD1-2C0C3437D90C}" type="datetimeFigureOut">
               <a:rPr lang="fr-FR" smtClean="0"/>
-              <a:t>14/04/2013</a:t>
+              <a:t>15/04/2013</a:t>
             </a:fld>
             <a:endParaRPr lang="fr-FR"/>
           </a:p>
@@ -1101,7 +1101,7 @@
           <a:p>
             <a:fld id="{6D577669-23AF-48B5-ACD1-2C0C3437D90C}" type="datetimeFigureOut">
               <a:rPr lang="fr-FR" smtClean="0"/>
-              <a:t>14/04/2013</a:t>
+              <a:t>15/04/2013</a:t>
             </a:fld>
             <a:endParaRPr lang="fr-FR"/>
           </a:p>
@@ -1392,7 +1392,7 @@
           <a:p>
             <a:fld id="{6D577669-23AF-48B5-ACD1-2C0C3437D90C}" type="datetimeFigureOut">
               <a:rPr lang="fr-FR" smtClean="0"/>
-              <a:t>14/04/2013</a:t>
+              <a:t>15/04/2013</a:t>
             </a:fld>
             <a:endParaRPr lang="fr-FR"/>
           </a:p>
@@ -1817,7 +1817,7 @@
           <a:p>
             <a:fld id="{6D577669-23AF-48B5-ACD1-2C0C3437D90C}" type="datetimeFigureOut">
               <a:rPr lang="fr-FR" smtClean="0"/>
-              <a:t>14/04/2013</a:t>
+              <a:t>15/04/2013</a:t>
             </a:fld>
             <a:endParaRPr lang="fr-FR"/>
           </a:p>
@@ -1938,7 +1938,7 @@
           <a:p>
             <a:fld id="{6D577669-23AF-48B5-ACD1-2C0C3437D90C}" type="datetimeFigureOut">
               <a:rPr lang="fr-FR" smtClean="0"/>
-              <a:t>14/04/2013</a:t>
+              <a:t>15/04/2013</a:t>
             </a:fld>
             <a:endParaRPr lang="fr-FR"/>
           </a:p>
@@ -2036,7 +2036,7 @@
           <a:p>
             <a:fld id="{6D577669-23AF-48B5-ACD1-2C0C3437D90C}" type="datetimeFigureOut">
               <a:rPr lang="fr-FR" smtClean="0"/>
-              <a:t>14/04/2013</a:t>
+              <a:t>15/04/2013</a:t>
             </a:fld>
             <a:endParaRPr lang="fr-FR"/>
           </a:p>
@@ -2316,7 +2316,7 @@
           <a:p>
             <a:fld id="{6D577669-23AF-48B5-ACD1-2C0C3437D90C}" type="datetimeFigureOut">
               <a:rPr lang="fr-FR" smtClean="0"/>
-              <a:t>14/04/2013</a:t>
+              <a:t>15/04/2013</a:t>
             </a:fld>
             <a:endParaRPr lang="fr-FR"/>
           </a:p>
@@ -2572,7 +2572,7 @@
           <a:p>
             <a:fld id="{6D577669-23AF-48B5-ACD1-2C0C3437D90C}" type="datetimeFigureOut">
               <a:rPr lang="fr-FR" smtClean="0"/>
-              <a:t>14/04/2013</a:t>
+              <a:t>15/04/2013</a:t>
             </a:fld>
             <a:endParaRPr lang="fr-FR"/>
           </a:p>
@@ -2797,7 +2797,7 @@
           <a:p>
             <a:fld id="{6D577669-23AF-48B5-ACD1-2C0C3437D90C}" type="datetimeFigureOut">
               <a:rPr lang="fr-FR" smtClean="0"/>
-              <a:t>14/04/2013</a:t>
+              <a:t>15/04/2013</a:t>
             </a:fld>
             <a:endParaRPr lang="fr-FR"/>
           </a:p>
@@ -3907,11 +3907,7 @@
             <a:pPr lvl="1"/>
             <a:r>
               <a:rPr lang="fr-FR" dirty="0" smtClean="0"/>
-              <a:t>Concept </a:t>
-            </a:r>
-            <a:r>
-              <a:rPr lang="fr-FR" dirty="0" smtClean="0"/>
-              <a:t>attrayant selon les utilisateurs tests</a:t>
+              <a:t>Concept attrayant selon les utilisateurs tests</a:t>
             </a:r>
           </a:p>
           <a:p>
@@ -4057,11 +4053,7 @@
             </a:r>
             <a:r>
               <a:rPr lang="fr-FR" sz="1600" dirty="0" smtClean="0"/>
-              <a:t> </a:t>
-            </a:r>
-            <a:r>
-              <a:rPr lang="fr-FR" sz="1600" dirty="0" smtClean="0"/>
-              <a:t>– Jeu de stratégie sur </a:t>
+              <a:t> – Jeu de stratégie sur </a:t>
             </a:r>
             <a:r>
               <a:rPr lang="fr-FR" sz="1600" dirty="0" err="1" smtClean="0"/>
@@ -4192,7 +4184,7 @@
           <a:p>
             <a:r>
               <a:rPr lang="fr-FR" dirty="0" smtClean="0"/>
-              <a:t>Remerciement</a:t>
+              <a:t>Remerciements</a:t>
             </a:r>
             <a:endParaRPr lang="fr-FR" dirty="0"/>
           </a:p>
@@ -4542,11 +4534,7 @@
             </a:r>
             <a:r>
               <a:rPr lang="fr-FR" sz="1600" dirty="0" smtClean="0"/>
-              <a:t> </a:t>
-            </a:r>
-            <a:r>
-              <a:rPr lang="fr-FR" sz="1600" dirty="0" smtClean="0"/>
-              <a:t>– Jeu de stratégie sur </a:t>
+              <a:t> – Jeu de stratégie sur </a:t>
             </a:r>
             <a:r>
               <a:rPr lang="fr-FR" sz="1600" dirty="0" err="1" smtClean="0"/>
@@ -5654,7 +5642,19 @@
           <a:p>
             <a:r>
               <a:rPr lang="fr-FR" dirty="0" smtClean="0"/>
-              <a:t>Ouvert a tous</a:t>
+              <a:t>Ouvert </a:t>
+            </a:r>
+            <a:r>
+              <a:rPr lang="en-US"/>
+              <a:t>à</a:t>
+            </a:r>
+            <a:r>
+              <a:rPr lang="fr-FR" smtClean="0"/>
+              <a:t> </a:t>
+            </a:r>
+            <a:r>
+              <a:rPr lang="fr-FR" dirty="0" smtClean="0"/>
+              <a:t>tous</a:t>
             </a:r>
             <a:endParaRPr lang="fr-FR" dirty="0"/>
           </a:p>
@@ -8099,11 +8099,7 @@
           <a:p>
             <a:r>
               <a:rPr lang="fr-FR" sz="2000" dirty="0" smtClean="0"/>
-              <a:t>7</a:t>
-            </a:r>
-            <a:r>
-              <a:rPr lang="fr-FR" sz="2000" dirty="0" smtClean="0"/>
-              <a:t>  </a:t>
+              <a:t>7  </a:t>
             </a:r>
             <a:r>
               <a:rPr lang="fr-FR" dirty="0" smtClean="0"/>
@@ -8115,11 +8111,7 @@
             </a:r>
             <a:r>
               <a:rPr lang="fr-FR" sz="1600" dirty="0" smtClean="0"/>
-              <a:t> </a:t>
-            </a:r>
-            <a:r>
-              <a:rPr lang="fr-FR" sz="1600" dirty="0" smtClean="0"/>
-              <a:t>– Jeu de stratégie sur </a:t>
+              <a:t> – Jeu de stratégie sur </a:t>
             </a:r>
             <a:r>
               <a:rPr lang="fr-FR" sz="1600" dirty="0" err="1" smtClean="0"/>
